--- a/Programming Paradigms 2024/Programming Paradigms 2024.pptx
+++ b/Programming Paradigms 2024/Programming Paradigms 2024.pptx
@@ -18742,7 +18742,7 @@
         </p:blipFill>
         <p:spPr>
           <a:xfrm>
-            <a:off x="4981575" y="1396260"/>
+            <a:off x="4895850" y="1396260"/>
             <a:ext cx="7296150" cy="5343525"/>
           </a:xfrm>
           <a:prstGeom prst="rect">
@@ -20650,7 +20650,7 @@
             </a:r>
             <a:r>
               <a:rPr lang="en-US" altLang="zh-CN" sz="1800" dirty="0"/>
-              <a:t>_italics_</a:t>
+              <a:t>_   italics_</a:t>
             </a:r>
             <a:r>
               <a:rPr lang="zh-CN" altLang="en-US" sz="1800" dirty="0"/>
@@ -25888,8 +25888,8 @@
         </p:blipFill>
         <p:spPr>
           <a:xfrm>
-            <a:off x="142440" y="5968375"/>
-            <a:ext cx="6563745" cy="585434"/>
+            <a:off x="399808" y="5694268"/>
+            <a:ext cx="9923438" cy="885092"/>
           </a:xfrm>
           <a:prstGeom prst="rect">
             <a:avLst/>
@@ -27268,7 +27268,7 @@
         </p:blipFill>
         <p:spPr>
           <a:xfrm>
-            <a:off x="4146742" y="0"/>
+            <a:off x="4287418" y="0"/>
             <a:ext cx="4616475" cy="6858000"/>
           </a:xfrm>
           <a:prstGeom prst="rect">
